--- a/Slide khoá SIM/Lesson_2.pptx
+++ b/Slide khoá SIM/Lesson_2.pptx
@@ -2,24 +2,24 @@
 <file path=ppt/presentation.xml><?xml version="1.0" encoding="utf-8"?>
 <p:presentation xmlns:a="http://schemas.openxmlformats.org/drawingml/2006/main" xmlns:r="http://schemas.openxmlformats.org/officeDocument/2006/relationships" xmlns:p="http://schemas.openxmlformats.org/presentationml/2006/main" autoCompressPictures="0">
   <p:sldMasterIdLst>
-    <p:sldMasterId id="2147483879" r:id="rId1"/>
+    <p:sldMasterId id="2147483879" r:id="rId4"/>
   </p:sldMasterIdLst>
   <p:notesMasterIdLst>
-    <p:notesMasterId r:id="rId14"/>
+    <p:notesMasterId r:id="rId17"/>
   </p:notesMasterIdLst>
   <p:sldIdLst>
-    <p:sldId id="256" r:id="rId2"/>
-    <p:sldId id="257" r:id="rId3"/>
-    <p:sldId id="259" r:id="rId4"/>
-    <p:sldId id="258" r:id="rId5"/>
-    <p:sldId id="264" r:id="rId6"/>
-    <p:sldId id="267" r:id="rId7"/>
-    <p:sldId id="268" r:id="rId8"/>
-    <p:sldId id="269" r:id="rId9"/>
-    <p:sldId id="271" r:id="rId10"/>
-    <p:sldId id="270" r:id="rId11"/>
-    <p:sldId id="263" r:id="rId12"/>
-    <p:sldId id="261" r:id="rId13"/>
+    <p:sldId id="256" r:id="rId5"/>
+    <p:sldId id="257" r:id="rId6"/>
+    <p:sldId id="259" r:id="rId7"/>
+    <p:sldId id="258" r:id="rId8"/>
+    <p:sldId id="264" r:id="rId9"/>
+    <p:sldId id="267" r:id="rId10"/>
+    <p:sldId id="268" r:id="rId11"/>
+    <p:sldId id="269" r:id="rId12"/>
+    <p:sldId id="271" r:id="rId13"/>
+    <p:sldId id="270" r:id="rId14"/>
+    <p:sldId id="263" r:id="rId15"/>
+    <p:sldId id="261" r:id="rId16"/>
   </p:sldIdLst>
   <p:sldSz cx="12192000" cy="6858000"/>
   <p:notesSz cx="6858000" cy="9144000"/>
@@ -1025,6 +1025,13 @@
         </dgm:presLayoutVars>
       </dgm:prSet>
       <dgm:spPr/>
+      <dgm:t>
+        <a:bodyPr/>
+        <a:lstStyle/>
+        <a:p>
+          <a:endParaRPr lang="en-US"/>
+        </a:p>
+      </dgm:t>
     </dgm:pt>
     <dgm:pt modelId="{5E36979F-1749-49FD-933F-6250AD0969FD}" type="pres">
       <dgm:prSet presAssocID="{9C7B26AE-F95A-469E-8FC3-5AE43416014C}" presName="Name1" presStyleCnt="0"/>
@@ -1041,6 +1048,13 @@
     <dgm:pt modelId="{E99CE79B-6475-4426-922E-AAB239A1A0C6}" type="pres">
       <dgm:prSet presAssocID="{9C7B26AE-F95A-469E-8FC3-5AE43416014C}" presName="conn" presStyleLbl="parChTrans1D2" presStyleIdx="0" presStyleCnt="1"/>
       <dgm:spPr/>
+      <dgm:t>
+        <a:bodyPr/>
+        <a:lstStyle/>
+        <a:p>
+          <a:endParaRPr lang="en-US"/>
+        </a:p>
+      </dgm:t>
     </dgm:pt>
     <dgm:pt modelId="{18FE7EA7-8034-46A1-9C75-B3CCA1BE057E}" type="pres">
       <dgm:prSet presAssocID="{9C7B26AE-F95A-469E-8FC3-5AE43416014C}" presName="extraNode" presStyleLbl="node1" presStyleIdx="0" presStyleCnt="3"/>
@@ -1057,6 +1071,13 @@
         </dgm:presLayoutVars>
       </dgm:prSet>
       <dgm:spPr/>
+      <dgm:t>
+        <a:bodyPr/>
+        <a:lstStyle/>
+        <a:p>
+          <a:endParaRPr lang="en-US"/>
+        </a:p>
+      </dgm:t>
     </dgm:pt>
     <dgm:pt modelId="{AF726EE2-E9E1-4B36-B0B8-2A9B43D50B7F}" type="pres">
       <dgm:prSet presAssocID="{3A3A51F7-C0FC-4958-95DC-0714E860B951}" presName="accent_1" presStyleCnt="0"/>
@@ -1073,6 +1094,13 @@
         </dgm:presLayoutVars>
       </dgm:prSet>
       <dgm:spPr/>
+      <dgm:t>
+        <a:bodyPr/>
+        <a:lstStyle/>
+        <a:p>
+          <a:endParaRPr lang="en-US"/>
+        </a:p>
+      </dgm:t>
     </dgm:pt>
     <dgm:pt modelId="{5C4AC51C-B16E-4766-B3EE-90F6AA876D0B}" type="pres">
       <dgm:prSet presAssocID="{12D0EE93-D4C2-4DC1-80CF-B90670E6A335}" presName="accent_2" presStyleCnt="0"/>
@@ -1089,6 +1117,13 @@
         </dgm:presLayoutVars>
       </dgm:prSet>
       <dgm:spPr/>
+      <dgm:t>
+        <a:bodyPr/>
+        <a:lstStyle/>
+        <a:p>
+          <a:endParaRPr lang="en-US"/>
+        </a:p>
+      </dgm:t>
     </dgm:pt>
     <dgm:pt modelId="{F5A35901-3799-47C5-9953-346A285A7833}" type="pres">
       <dgm:prSet presAssocID="{E0D2718C-B423-41B8-B7FA-E9FBD2A88B9A}" presName="accent_3" presStyleCnt="0"/>
@@ -1101,11 +1136,11 @@
   </dgm:ptLst>
   <dgm:cxnLst>
     <dgm:cxn modelId="{0E636C68-8868-4DD7-9F8A-6742A9BA00AE}" type="presOf" srcId="{A73CCA51-E28C-410A-921C-53B819CAAA85}" destId="{E99CE79B-6475-4426-922E-AAB239A1A0C6}" srcOrd="0" destOrd="0" presId="urn:microsoft.com/office/officeart/2008/layout/VerticalCurvedList"/>
+    <dgm:cxn modelId="{AD28F8D8-D1F0-43F3-AE91-107B6F88FF90}" srcId="{9C7B26AE-F95A-469E-8FC3-5AE43416014C}" destId="{12D0EE93-D4C2-4DC1-80CF-B90670E6A335}" srcOrd="1" destOrd="0" parTransId="{5C1DEF32-515F-4E03-A967-9FB0DE9C708B}" sibTransId="{52CBBDE6-6D32-48FD-BB18-DDD9DDBCFB4F}"/>
+    <dgm:cxn modelId="{11159589-8FB3-43AC-B5EA-5D548FB32262}" type="presOf" srcId="{E0D2718C-B423-41B8-B7FA-E9FBD2A88B9A}" destId="{C8BAFFF6-3137-4706-9DCF-CFFED3BF44D9}" srcOrd="0" destOrd="0" presId="urn:microsoft.com/office/officeart/2008/layout/VerticalCurvedList"/>
+    <dgm:cxn modelId="{CC91F7DB-7B96-4210-9801-693FF561DF7B}" srcId="{9C7B26AE-F95A-469E-8FC3-5AE43416014C}" destId="{3A3A51F7-C0FC-4958-95DC-0714E860B951}" srcOrd="0" destOrd="0" parTransId="{3E6FDDD6-65DC-4863-B2F7-A95E4B1856B7}" sibTransId="{A73CCA51-E28C-410A-921C-53B819CAAA85}"/>
+    <dgm:cxn modelId="{2D08AA90-3DF2-4E29-8E99-50BDD2545300}" type="presOf" srcId="{12D0EE93-D4C2-4DC1-80CF-B90670E6A335}" destId="{2FFF9C4D-A8CB-4554-B73C-3D995C71FC8D}" srcOrd="0" destOrd="0" presId="urn:microsoft.com/office/officeart/2008/layout/VerticalCurvedList"/>
     <dgm:cxn modelId="{20F7E56B-0C69-4A17-A0F4-BC482B22DAB4}" type="presOf" srcId="{9C7B26AE-F95A-469E-8FC3-5AE43416014C}" destId="{43E94003-C34F-4AF8-AF5A-ECC7F8D0059E}" srcOrd="0" destOrd="0" presId="urn:microsoft.com/office/officeart/2008/layout/VerticalCurvedList"/>
-    <dgm:cxn modelId="{11159589-8FB3-43AC-B5EA-5D548FB32262}" type="presOf" srcId="{E0D2718C-B423-41B8-B7FA-E9FBD2A88B9A}" destId="{C8BAFFF6-3137-4706-9DCF-CFFED3BF44D9}" srcOrd="0" destOrd="0" presId="urn:microsoft.com/office/officeart/2008/layout/VerticalCurvedList"/>
-    <dgm:cxn modelId="{2D08AA90-3DF2-4E29-8E99-50BDD2545300}" type="presOf" srcId="{12D0EE93-D4C2-4DC1-80CF-B90670E6A335}" destId="{2FFF9C4D-A8CB-4554-B73C-3D995C71FC8D}" srcOrd="0" destOrd="0" presId="urn:microsoft.com/office/officeart/2008/layout/VerticalCurvedList"/>
-    <dgm:cxn modelId="{AD28F8D8-D1F0-43F3-AE91-107B6F88FF90}" srcId="{9C7B26AE-F95A-469E-8FC3-5AE43416014C}" destId="{12D0EE93-D4C2-4DC1-80CF-B90670E6A335}" srcOrd="1" destOrd="0" parTransId="{5C1DEF32-515F-4E03-A967-9FB0DE9C708B}" sibTransId="{52CBBDE6-6D32-48FD-BB18-DDD9DDBCFB4F}"/>
-    <dgm:cxn modelId="{CC91F7DB-7B96-4210-9801-693FF561DF7B}" srcId="{9C7B26AE-F95A-469E-8FC3-5AE43416014C}" destId="{3A3A51F7-C0FC-4958-95DC-0714E860B951}" srcOrd="0" destOrd="0" parTransId="{3E6FDDD6-65DC-4863-B2F7-A95E4B1856B7}" sibTransId="{A73CCA51-E28C-410A-921C-53B819CAAA85}"/>
     <dgm:cxn modelId="{20AFA2DC-836A-42D9-B65D-7583D08588CF}" type="presOf" srcId="{3A3A51F7-C0FC-4958-95DC-0714E860B951}" destId="{B99CB766-D1F2-4959-97C8-F60FD79E7AD7}" srcOrd="0" destOrd="0" presId="urn:microsoft.com/office/officeart/2008/layout/VerticalCurvedList"/>
     <dgm:cxn modelId="{1B0419F9-8AA0-432A-A76B-E89971900AEB}" srcId="{9C7B26AE-F95A-469E-8FC3-5AE43416014C}" destId="{E0D2718C-B423-41B8-B7FA-E9FBD2A88B9A}" srcOrd="2" destOrd="0" parTransId="{F962A9A5-3521-4CF6-9A82-2074592A9C04}" sibTransId="{353102C0-E0C8-4959-A7EC-1D12369C620C}"/>
     <dgm:cxn modelId="{8C4A627B-F02A-48D8-A4FF-DE78B07C8B5D}" type="presParOf" srcId="{43E94003-C34F-4AF8-AF5A-ECC7F8D0059E}" destId="{5E36979F-1749-49FD-933F-6250AD0969FD}" srcOrd="0" destOrd="0" presId="urn:microsoft.com/office/officeart/2008/layout/VerticalCurvedList"/>
@@ -1280,7 +1315,7 @@
         </a:bodyPr>
         <a:lstStyle/>
         <a:p>
-          <a:pPr marL="0" lvl="0" indent="0" algn="l" defTabSz="1822450">
+          <a:pPr lvl="0" algn="l" defTabSz="1822450">
             <a:lnSpc>
               <a:spcPct val="90000"/>
             </a:lnSpc>
@@ -1290,7 +1325,6 @@
             <a:spcAft>
               <a:spcPct val="35000"/>
             </a:spcAft>
-            <a:buNone/>
           </a:pPr>
           <a:r>
             <a:rPr lang="en-US" sz="4100" kern="1200">
@@ -1446,7 +1480,7 @@
         </a:bodyPr>
         <a:lstStyle/>
         <a:p>
-          <a:pPr marL="0" lvl="0" indent="0" algn="l" defTabSz="1822450">
+          <a:pPr lvl="0" algn="l" defTabSz="1822450">
             <a:lnSpc>
               <a:spcPct val="90000"/>
             </a:lnSpc>
@@ -1456,7 +1490,6 @@
             <a:spcAft>
               <a:spcPct val="35000"/>
             </a:spcAft>
-            <a:buNone/>
           </a:pPr>
           <a:r>
             <a:rPr lang="en-US" sz="4100" kern="1200">
@@ -1612,7 +1645,7 @@
         </a:bodyPr>
         <a:lstStyle/>
         <a:p>
-          <a:pPr marL="0" lvl="0" indent="0" algn="l" defTabSz="1822450">
+          <a:pPr lvl="0" algn="l" defTabSz="1822450">
             <a:lnSpc>
               <a:spcPct val="90000"/>
             </a:lnSpc>
@@ -1622,7 +1655,6 @@
             <a:spcAft>
               <a:spcPct val="35000"/>
             </a:spcAft>
-            <a:buNone/>
           </a:pPr>
           <a:r>
             <a:rPr lang="en-US" sz="4100" kern="1200">
@@ -4083,7 +4115,7 @@
           <a:p>
             <a:fld id="{4E1C8B97-B0A2-485C-87FE-11AB7A2C2051}" type="datetimeFigureOut">
               <a:rPr lang="en-US" smtClean="0"/>
-              <a:t>4/2/2021</a:t>
+              <a:t>12/18/2021</a:t>
             </a:fld>
             <a:endParaRPr lang="en-US"/>
           </a:p>
@@ -5790,7 +5822,7 @@
           <a:p>
             <a:fld id="{9184DA70-C731-4C70-880D-CCD4705E623C}" type="datetime1">
               <a:rPr lang="en-US" smtClean="0"/>
-              <a:t>4/2/2021</a:t>
+              <a:t>12/18/2021</a:t>
             </a:fld>
             <a:endParaRPr lang="en-US" dirty="0"/>
           </a:p>
@@ -5978,7 +6010,7 @@
           <a:p>
             <a:fld id="{B612A279-0833-481D-8C56-F67FD0AC6C50}" type="datetime1">
               <a:rPr lang="en-US" smtClean="0"/>
-              <a:t>4/2/2021</a:t>
+              <a:t>12/18/2021</a:t>
             </a:fld>
             <a:endParaRPr lang="en-US" dirty="0"/>
           </a:p>
@@ -6220,7 +6252,7 @@
           <a:p>
             <a:fld id="{6587DA83-5663-4C9C-B9AA-0B40A3DAFF81}" type="datetime1">
               <a:rPr lang="en-US" smtClean="0"/>
-              <a:t>4/2/2021</a:t>
+              <a:t>12/18/2021</a:t>
             </a:fld>
             <a:endParaRPr lang="en-US" dirty="0"/>
           </a:p>
@@ -6408,7 +6440,7 @@
           <a:p>
             <a:fld id="{4BE1D723-8F53-4F53-90B0-1982A396982E}" type="datetime1">
               <a:rPr lang="en-US" smtClean="0"/>
-              <a:t>4/2/2021</a:t>
+              <a:t>12/18/2021</a:t>
             </a:fld>
             <a:endParaRPr lang="en-US" dirty="0"/>
           </a:p>
@@ -6781,7 +6813,7 @@
           <a:p>
             <a:fld id="{97669AF7-7BEB-44E4-9852-375E34362B5B}" type="datetime1">
               <a:rPr lang="en-US" smtClean="0"/>
-              <a:t>4/2/2021</a:t>
+              <a:t>12/18/2021</a:t>
             </a:fld>
             <a:endParaRPr lang="en-US" dirty="0"/>
           </a:p>
@@ -7036,7 +7068,7 @@
           <a:p>
             <a:fld id="{BAAAC38D-0552-4C82-B593-E6124DFADBE2}" type="datetime1">
               <a:rPr lang="en-US" smtClean="0"/>
-              <a:t>4/2/2021</a:t>
+              <a:t>12/18/2021</a:t>
             </a:fld>
             <a:endParaRPr lang="en-US" dirty="0"/>
           </a:p>
@@ -7433,7 +7465,7 @@
           <a:p>
             <a:fld id="{D9DF0F1C-5577-4ACB-BB62-DF8F3C494C7E}" type="datetime1">
               <a:rPr lang="en-US" smtClean="0"/>
-              <a:t>4/2/2021</a:t>
+              <a:t>12/18/2021</a:t>
             </a:fld>
             <a:endParaRPr lang="en-US" dirty="0"/>
           </a:p>
@@ -7569,7 +7601,7 @@
           <a:p>
             <a:fld id="{1775B394-D9F9-4F0C-B15D-605F45CB9E9F}" type="datetime1">
               <a:rPr lang="en-US" smtClean="0"/>
-              <a:t>4/2/2021</a:t>
+              <a:t>12/18/2021</a:t>
             </a:fld>
             <a:endParaRPr lang="en-US" dirty="0"/>
           </a:p>
@@ -7726,7 +7758,7 @@
           <a:p>
             <a:fld id="{39667345-2558-425A-8533-9BFDBCE15005}" type="datetime1">
               <a:rPr lang="en-US" smtClean="0"/>
-              <a:t>4/2/2021</a:t>
+              <a:t>12/18/2021</a:t>
             </a:fld>
             <a:endParaRPr lang="en-US" dirty="0"/>
           </a:p>
@@ -8055,7 +8087,7 @@
           <a:p>
             <a:fld id="{92BEA474-078D-4E9B-9B14-09A87B19DC46}" type="datetime1">
               <a:rPr lang="en-US" smtClean="0"/>
-              <a:t>4/2/2021</a:t>
+              <a:t>12/18/2021</a:t>
             </a:fld>
             <a:endParaRPr lang="en-US" dirty="0"/>
           </a:p>
@@ -8405,7 +8437,7 @@
           <a:p>
             <a:fld id="{4907D986-8816-4272-A432-0437A28A9828}" type="datetime1">
               <a:rPr lang="en-US" smtClean="0"/>
-              <a:t>4/2/2021</a:t>
+              <a:t>12/18/2021</a:t>
             </a:fld>
             <a:endParaRPr lang="en-US" dirty="0"/>
           </a:p>
@@ -8666,7 +8698,7 @@
           <a:p>
             <a:fld id="{62D6E202-B606-4609-B914-27C9371A1F6D}" type="datetime1">
               <a:rPr lang="en-US" smtClean="0"/>
-              <a:t>4/2/2021</a:t>
+              <a:t>12/18/2021</a:t>
             </a:fld>
             <a:endParaRPr lang="en-US" dirty="0"/>
           </a:p>
@@ -9205,7 +9237,7 @@
                 <a16:creationId xmlns:a16="http://schemas.microsoft.com/office/drawing/2014/main" id="{54DCD9B2-D552-47A6-9FE2-15D7E8159AB6}"/>
               </a:ext>
               <a:ext uri="{C183D7F6-B498-43B3-948B-1728B52AA6E4}">
-                <adec:decorative xmlns:adec="http://schemas.microsoft.com/office/drawing/2017/decorative" val="1"/>
+                <adec:decorative xmlns:adec="http://schemas.microsoft.com/office/drawing/2017/decorative" xmlns="" val="1"/>
               </a:ext>
             </a:extLst>
           </p:cNvPr>
@@ -9344,41 +9376,6 @@
           </a:p>
         </p:txBody>
       </p:sp>
-      <p:pic>
-        <p:nvPicPr>
-          <p:cNvPr id="4" name="Picture 3" descr="A picture containing text, sign, vector graphics&#10;&#10;Description automatically generated">
-            <a:extLst>
-              <a:ext uri="{FF2B5EF4-FFF2-40B4-BE49-F238E27FC236}">
-                <a16:creationId xmlns:a16="http://schemas.microsoft.com/office/drawing/2014/main" id="{7460735B-CDC4-487C-B20D-A771062E4B56}"/>
-              </a:ext>
-            </a:extLst>
-          </p:cNvPr>
-          <p:cNvPicPr>
-            <a:picLocks noChangeAspect="1"/>
-          </p:cNvPicPr>
-          <p:nvPr/>
-        </p:nvPicPr>
-        <p:blipFill rotWithShape="1">
-          <a:blip r:embed="rId3">
-            <a:extLst>
-              <a:ext uri="{28A0092B-C50C-407E-A947-70E740481C1C}">
-                <a14:useLocalDpi xmlns:a14="http://schemas.microsoft.com/office/drawing/2010/main" val="0"/>
-              </a:ext>
-            </a:extLst>
-          </a:blip>
-          <a:srcRect t="10731" r="2" b="2"/>
-          <a:stretch/>
-        </p:blipFill>
-        <p:spPr>
-          <a:xfrm>
-            <a:off x="9801445" y="-628"/>
-            <a:ext cx="2390555" cy="2134019"/>
-          </a:xfrm>
-          <a:prstGeom prst="rect">
-            <a:avLst/>
-          </a:prstGeom>
-        </p:spPr>
-      </p:pic>
       <p:cxnSp>
         <p:nvCxnSpPr>
           <p:cNvPr id="26" name="Straight Connector 25">
@@ -9387,7 +9384,7 @@
                 <a16:creationId xmlns:a16="http://schemas.microsoft.com/office/drawing/2014/main" id="{FCE0A9EA-62FA-4F43-BEF6-7BBBB3F90F25}"/>
               </a:ext>
               <a:ext uri="{C183D7F6-B498-43B3-948B-1728B52AA6E4}">
-                <adec:decorative xmlns:adec="http://schemas.microsoft.com/office/drawing/2017/decorative" val="1"/>
+                <adec:decorative xmlns:adec="http://schemas.microsoft.com/office/drawing/2017/decorative" xmlns="" val="1"/>
               </a:ext>
             </a:extLst>
           </p:cNvPr>
@@ -9442,7 +9439,7 @@
                 <a16:creationId xmlns:a16="http://schemas.microsoft.com/office/drawing/2014/main" id="{CCE25F7F-C10E-4478-90C0-93B61E638386}"/>
               </a:ext>
               <a:ext uri="{C183D7F6-B498-43B3-948B-1728B52AA6E4}">
-                <adec:decorative xmlns:adec="http://schemas.microsoft.com/office/drawing/2017/decorative" val="1"/>
+                <adec:decorative xmlns:adec="http://schemas.microsoft.com/office/drawing/2017/decorative" xmlns="" val="1"/>
               </a:ext>
             </a:extLst>
           </p:cNvPr>
@@ -9504,7 +9501,7 @@
           <p:nvPr/>
         </p:nvPicPr>
         <p:blipFill>
-          <a:blip r:embed="rId4"/>
+          <a:blip r:embed="rId3"/>
           <a:stretch>
             <a:fillRect/>
           </a:stretch>
@@ -9587,41 +9584,6 @@
       </p:sp>
       <p:pic>
         <p:nvPicPr>
-          <p:cNvPr id="4" name="Picture 3" descr="A picture containing text, sign, vector graphics&#10;&#10;Description automatically generated">
-            <a:extLst>
-              <a:ext uri="{FF2B5EF4-FFF2-40B4-BE49-F238E27FC236}">
-                <a16:creationId xmlns:a16="http://schemas.microsoft.com/office/drawing/2014/main" id="{708614F4-E979-4011-90A5-0FEC75B08B44}"/>
-              </a:ext>
-            </a:extLst>
-          </p:cNvPr>
-          <p:cNvPicPr>
-            <a:picLocks noChangeAspect="1"/>
-          </p:cNvPicPr>
-          <p:nvPr/>
-        </p:nvPicPr>
-        <p:blipFill rotWithShape="1">
-          <a:blip r:embed="rId3">
-            <a:extLst>
-              <a:ext uri="{28A0092B-C50C-407E-A947-70E740481C1C}">
-                <a14:useLocalDpi xmlns:a14="http://schemas.microsoft.com/office/drawing/2010/main" val="0"/>
-              </a:ext>
-            </a:extLst>
-          </a:blip>
-          <a:srcRect t="10731" r="2" b="2"/>
-          <a:stretch/>
-        </p:blipFill>
-        <p:spPr>
-          <a:xfrm>
-            <a:off x="10269039" y="0"/>
-            <a:ext cx="1922961" cy="1716604"/>
-          </a:xfrm>
-          <a:prstGeom prst="rect">
-            <a:avLst/>
-          </a:prstGeom>
-        </p:spPr>
-      </p:pic>
-      <p:pic>
-        <p:nvPicPr>
           <p:cNvPr id="3" name="Picture 2">
             <a:extLst>
               <a:ext uri="{FF2B5EF4-FFF2-40B4-BE49-F238E27FC236}">
@@ -9635,7 +9597,7 @@
           <p:nvPr/>
         </p:nvPicPr>
         <p:blipFill>
-          <a:blip r:embed="rId4"/>
+          <a:blip r:embed="rId3"/>
           <a:stretch>
             <a:fillRect/>
           </a:stretch>
@@ -9665,7 +9627,7 @@
           <p:nvPr/>
         </p:nvPicPr>
         <p:blipFill>
-          <a:blip r:embed="rId5"/>
+          <a:blip r:embed="rId4"/>
           <a:stretch>
             <a:fillRect/>
           </a:stretch>
@@ -9744,41 +9706,6 @@
           </a:p>
         </p:txBody>
       </p:sp>
-      <p:pic>
-        <p:nvPicPr>
-          <p:cNvPr id="4" name="Picture 3" descr="A picture containing text, sign, vector graphics&#10;&#10;Description automatically generated">
-            <a:extLst>
-              <a:ext uri="{FF2B5EF4-FFF2-40B4-BE49-F238E27FC236}">
-                <a16:creationId xmlns:a16="http://schemas.microsoft.com/office/drawing/2014/main" id="{708614F4-E979-4011-90A5-0FEC75B08B44}"/>
-              </a:ext>
-            </a:extLst>
-          </p:cNvPr>
-          <p:cNvPicPr>
-            <a:picLocks noChangeAspect="1"/>
-          </p:cNvPicPr>
-          <p:nvPr/>
-        </p:nvPicPr>
-        <p:blipFill rotWithShape="1">
-          <a:blip r:embed="rId3">
-            <a:extLst>
-              <a:ext uri="{28A0092B-C50C-407E-A947-70E740481C1C}">
-                <a14:useLocalDpi xmlns:a14="http://schemas.microsoft.com/office/drawing/2010/main" val="0"/>
-              </a:ext>
-            </a:extLst>
-          </a:blip>
-          <a:srcRect t="10731" r="2" b="2"/>
-          <a:stretch/>
-        </p:blipFill>
-        <p:spPr>
-          <a:xfrm>
-            <a:off x="10269039" y="0"/>
-            <a:ext cx="1922961" cy="1716604"/>
-          </a:xfrm>
-          <a:prstGeom prst="rect">
-            <a:avLst/>
-          </a:prstGeom>
-        </p:spPr>
-      </p:pic>
       <p:sp>
         <p:nvSpPr>
           <p:cNvPr id="3" name="TextBox 2">
@@ -9828,7 +9755,7 @@
           <p:nvPr/>
         </p:nvPicPr>
         <p:blipFill>
-          <a:blip r:embed="rId4"/>
+          <a:blip r:embed="rId3"/>
           <a:stretch>
             <a:fillRect/>
           </a:stretch>
@@ -9897,10 +9824,10 @@
           <p:nvPr/>
         </p:nvPicPr>
         <p:blipFill>
-          <a:blip r:embed="rId5">
+          <a:blip r:embed="rId4">
             <a:extLst>
               <a:ext uri="{96DAC541-7B7A-43D3-8B79-37D633B846F1}">
-                <asvg:svgBlip xmlns:asvg="http://schemas.microsoft.com/office/drawing/2016/SVG/main" r:embed="rId6"/>
+                <asvg:svgBlip xmlns:asvg="http://schemas.microsoft.com/office/drawing/2016/SVG/main" xmlns="" r:embed="rId6"/>
               </a:ext>
             </a:extLst>
           </a:blip>
@@ -10247,41 +10174,6 @@
           </a:p>
         </p:txBody>
       </p:sp>
-      <p:pic>
-        <p:nvPicPr>
-          <p:cNvPr id="4" name="Picture 3" descr="A picture containing text, sign, vector graphics&#10;&#10;Description automatically generated">
-            <a:extLst>
-              <a:ext uri="{FF2B5EF4-FFF2-40B4-BE49-F238E27FC236}">
-                <a16:creationId xmlns:a16="http://schemas.microsoft.com/office/drawing/2014/main" id="{708614F4-E979-4011-90A5-0FEC75B08B44}"/>
-              </a:ext>
-            </a:extLst>
-          </p:cNvPr>
-          <p:cNvPicPr>
-            <a:picLocks noChangeAspect="1"/>
-          </p:cNvPicPr>
-          <p:nvPr/>
-        </p:nvPicPr>
-        <p:blipFill rotWithShape="1">
-          <a:blip r:embed="rId3">
-            <a:extLst>
-              <a:ext uri="{28A0092B-C50C-407E-A947-70E740481C1C}">
-                <a14:useLocalDpi xmlns:a14="http://schemas.microsoft.com/office/drawing/2010/main" val="0"/>
-              </a:ext>
-            </a:extLst>
-          </a:blip>
-          <a:srcRect t="10731" r="2" b="2"/>
-          <a:stretch/>
-        </p:blipFill>
-        <p:spPr>
-          <a:xfrm>
-            <a:off x="10269039" y="0"/>
-            <a:ext cx="1922961" cy="1716604"/>
-          </a:xfrm>
-          <a:prstGeom prst="rect">
-            <a:avLst/>
-          </a:prstGeom>
-        </p:spPr>
-      </p:pic>
     </p:spTree>
     <p:extLst>
       <p:ext uri="{BB962C8B-B14F-4D97-AF65-F5344CB8AC3E}">
@@ -10495,41 +10387,6 @@
           </a:p>
         </p:txBody>
       </p:sp>
-      <p:pic>
-        <p:nvPicPr>
-          <p:cNvPr id="10" name="Picture 9" descr="A picture containing text, sign, vector graphics&#10;&#10;Description automatically generated">
-            <a:extLst>
-              <a:ext uri="{FF2B5EF4-FFF2-40B4-BE49-F238E27FC236}">
-                <a16:creationId xmlns:a16="http://schemas.microsoft.com/office/drawing/2014/main" id="{A3AFB8EB-FF52-4770-B9E8-E14DBB7D0526}"/>
-              </a:ext>
-            </a:extLst>
-          </p:cNvPr>
-          <p:cNvPicPr>
-            <a:picLocks noChangeAspect="1"/>
-          </p:cNvPicPr>
-          <p:nvPr/>
-        </p:nvPicPr>
-        <p:blipFill rotWithShape="1">
-          <a:blip r:embed="rId8">
-            <a:extLst>
-              <a:ext uri="{28A0092B-C50C-407E-A947-70E740481C1C}">
-                <a14:useLocalDpi xmlns:a14="http://schemas.microsoft.com/office/drawing/2010/main" val="0"/>
-              </a:ext>
-            </a:extLst>
-          </a:blip>
-          <a:srcRect t="10731" r="2" b="2"/>
-          <a:stretch/>
-        </p:blipFill>
-        <p:spPr>
-          <a:xfrm>
-            <a:off x="10269039" y="0"/>
-            <a:ext cx="1922961" cy="1716604"/>
-          </a:xfrm>
-          <a:prstGeom prst="rect">
-            <a:avLst/>
-          </a:prstGeom>
-        </p:spPr>
-      </p:pic>
     </p:spTree>
     <p:extLst>
       <p:ext uri="{BB962C8B-B14F-4D97-AF65-F5344CB8AC3E}">
@@ -10596,41 +10453,6 @@
           </a:p>
         </p:txBody>
       </p:sp>
-      <p:pic>
-        <p:nvPicPr>
-          <p:cNvPr id="4" name="Picture 3" descr="A picture containing text, sign, vector graphics&#10;&#10;Description automatically generated">
-            <a:extLst>
-              <a:ext uri="{FF2B5EF4-FFF2-40B4-BE49-F238E27FC236}">
-                <a16:creationId xmlns:a16="http://schemas.microsoft.com/office/drawing/2014/main" id="{708614F4-E979-4011-90A5-0FEC75B08B44}"/>
-              </a:ext>
-            </a:extLst>
-          </p:cNvPr>
-          <p:cNvPicPr>
-            <a:picLocks noChangeAspect="1"/>
-          </p:cNvPicPr>
-          <p:nvPr/>
-        </p:nvPicPr>
-        <p:blipFill rotWithShape="1">
-          <a:blip r:embed="rId3">
-            <a:extLst>
-              <a:ext uri="{28A0092B-C50C-407E-A947-70E740481C1C}">
-                <a14:useLocalDpi xmlns:a14="http://schemas.microsoft.com/office/drawing/2010/main" val="0"/>
-              </a:ext>
-            </a:extLst>
-          </a:blip>
-          <a:srcRect t="10731" r="2" b="2"/>
-          <a:stretch/>
-        </p:blipFill>
-        <p:spPr>
-          <a:xfrm>
-            <a:off x="10269039" y="0"/>
-            <a:ext cx="1922961" cy="1716604"/>
-          </a:xfrm>
-          <a:prstGeom prst="rect">
-            <a:avLst/>
-          </a:prstGeom>
-        </p:spPr>
-      </p:pic>
       <p:sp>
         <p:nvSpPr>
           <p:cNvPr id="6" name="Rectangle: Rounded Corners 5">
@@ -10798,7 +10620,7 @@
           <p:nvPr/>
         </p:nvPicPr>
         <p:blipFill>
-          <a:blip r:embed="rId4"/>
+          <a:blip r:embed="rId3"/>
           <a:stretch>
             <a:fillRect/>
           </a:stretch>
@@ -10828,7 +10650,7 @@
           <p:nvPr/>
         </p:nvPicPr>
         <p:blipFill>
-          <a:blip r:embed="rId5"/>
+          <a:blip r:embed="rId4"/>
           <a:stretch>
             <a:fillRect/>
           </a:stretch>
@@ -10909,41 +10731,6 @@
           </a:p>
         </p:txBody>
       </p:sp>
-      <p:pic>
-        <p:nvPicPr>
-          <p:cNvPr id="4" name="Picture 3" descr="A picture containing text, sign, vector graphics&#10;&#10;Description automatically generated">
-            <a:extLst>
-              <a:ext uri="{FF2B5EF4-FFF2-40B4-BE49-F238E27FC236}">
-                <a16:creationId xmlns:a16="http://schemas.microsoft.com/office/drawing/2014/main" id="{708614F4-E979-4011-90A5-0FEC75B08B44}"/>
-              </a:ext>
-            </a:extLst>
-          </p:cNvPr>
-          <p:cNvPicPr>
-            <a:picLocks noChangeAspect="1"/>
-          </p:cNvPicPr>
-          <p:nvPr/>
-        </p:nvPicPr>
-        <p:blipFill rotWithShape="1">
-          <a:blip r:embed="rId3">
-            <a:extLst>
-              <a:ext uri="{28A0092B-C50C-407E-A947-70E740481C1C}">
-                <a14:useLocalDpi xmlns:a14="http://schemas.microsoft.com/office/drawing/2010/main" val="0"/>
-              </a:ext>
-            </a:extLst>
-          </a:blip>
-          <a:srcRect t="10731" r="2" b="2"/>
-          <a:stretch/>
-        </p:blipFill>
-        <p:spPr>
-          <a:xfrm>
-            <a:off x="10269039" y="0"/>
-            <a:ext cx="1922961" cy="1716604"/>
-          </a:xfrm>
-          <a:prstGeom prst="rect">
-            <a:avLst/>
-          </a:prstGeom>
-        </p:spPr>
-      </p:pic>
       <p:sp>
         <p:nvSpPr>
           <p:cNvPr id="3" name="Rectangle 2">
@@ -11213,41 +11000,6 @@
       </p:sp>
       <p:pic>
         <p:nvPicPr>
-          <p:cNvPr id="4" name="Picture 3" descr="A picture containing text, sign, vector graphics&#10;&#10;Description automatically generated">
-            <a:extLst>
-              <a:ext uri="{FF2B5EF4-FFF2-40B4-BE49-F238E27FC236}">
-                <a16:creationId xmlns:a16="http://schemas.microsoft.com/office/drawing/2014/main" id="{708614F4-E979-4011-90A5-0FEC75B08B44}"/>
-              </a:ext>
-            </a:extLst>
-          </p:cNvPr>
-          <p:cNvPicPr>
-            <a:picLocks noChangeAspect="1"/>
-          </p:cNvPicPr>
-          <p:nvPr/>
-        </p:nvPicPr>
-        <p:blipFill rotWithShape="1">
-          <a:blip r:embed="rId3">
-            <a:extLst>
-              <a:ext uri="{28A0092B-C50C-407E-A947-70E740481C1C}">
-                <a14:useLocalDpi xmlns:a14="http://schemas.microsoft.com/office/drawing/2010/main" val="0"/>
-              </a:ext>
-            </a:extLst>
-          </a:blip>
-          <a:srcRect t="10731" r="2" b="2"/>
-          <a:stretch/>
-        </p:blipFill>
-        <p:spPr>
-          <a:xfrm>
-            <a:off x="10269039" y="0"/>
-            <a:ext cx="1922961" cy="1716604"/>
-          </a:xfrm>
-          <a:prstGeom prst="rect">
-            <a:avLst/>
-          </a:prstGeom>
-        </p:spPr>
-      </p:pic>
-      <p:pic>
-        <p:nvPicPr>
           <p:cNvPr id="1026" name="Picture 2" descr="Mạch GSM GPRS SIM800L Mini – Hshop.vn">
             <a:extLst>
               <a:ext uri="{FF2B5EF4-FFF2-40B4-BE49-F238E27FC236}">
@@ -11261,7 +11013,7 @@
           <p:nvPr/>
         </p:nvPicPr>
         <p:blipFill>
-          <a:blip r:embed="rId4">
+          <a:blip r:embed="rId3">
             <a:extLst>
               <a:ext uri="{28A0092B-C50C-407E-A947-70E740481C1C}">
                 <a14:useLocalDpi xmlns:a14="http://schemas.microsoft.com/office/drawing/2010/main" val="0"/>
@@ -11361,41 +11113,6 @@
       </p:sp>
       <p:pic>
         <p:nvPicPr>
-          <p:cNvPr id="4" name="Picture 3" descr="A picture containing text, sign, vector graphics&#10;&#10;Description automatically generated">
-            <a:extLst>
-              <a:ext uri="{FF2B5EF4-FFF2-40B4-BE49-F238E27FC236}">
-                <a16:creationId xmlns:a16="http://schemas.microsoft.com/office/drawing/2014/main" id="{708614F4-E979-4011-90A5-0FEC75B08B44}"/>
-              </a:ext>
-            </a:extLst>
-          </p:cNvPr>
-          <p:cNvPicPr>
-            <a:picLocks noChangeAspect="1"/>
-          </p:cNvPicPr>
-          <p:nvPr/>
-        </p:nvPicPr>
-        <p:blipFill rotWithShape="1">
-          <a:blip r:embed="rId3">
-            <a:extLst>
-              <a:ext uri="{28A0092B-C50C-407E-A947-70E740481C1C}">
-                <a14:useLocalDpi xmlns:a14="http://schemas.microsoft.com/office/drawing/2010/main" val="0"/>
-              </a:ext>
-            </a:extLst>
-          </a:blip>
-          <a:srcRect t="10731" r="2" b="2"/>
-          <a:stretch/>
-        </p:blipFill>
-        <p:spPr>
-          <a:xfrm>
-            <a:off x="10269039" y="0"/>
-            <a:ext cx="1922961" cy="1716604"/>
-          </a:xfrm>
-          <a:prstGeom prst="rect">
-            <a:avLst/>
-          </a:prstGeom>
-        </p:spPr>
-      </p:pic>
-      <p:pic>
-        <p:nvPicPr>
           <p:cNvPr id="6" name="Picture 5">
             <a:extLst>
               <a:ext uri="{FF2B5EF4-FFF2-40B4-BE49-F238E27FC236}">
@@ -11409,7 +11126,7 @@
           <p:nvPr/>
         </p:nvPicPr>
         <p:blipFill>
-          <a:blip r:embed="rId4"/>
+          <a:blip r:embed="rId3"/>
           <a:stretch>
             <a:fillRect/>
           </a:stretch>
@@ -11449,7 +11166,7 @@
           <p:nvPr/>
         </p:nvPicPr>
         <p:blipFill>
-          <a:blip r:embed="rId5"/>
+          <a:blip r:embed="rId4"/>
           <a:stretch>
             <a:fillRect/>
           </a:stretch>
@@ -11489,7 +11206,7 @@
           <p:nvPr/>
         </p:nvPicPr>
         <p:blipFill>
-          <a:blip r:embed="rId6"/>
+          <a:blip r:embed="rId5"/>
           <a:stretch>
             <a:fillRect/>
           </a:stretch>
@@ -11664,7 +11381,7 @@
           <p:nvPr/>
         </p:nvPicPr>
         <p:blipFill>
-          <a:blip r:embed="rId7"/>
+          <a:blip r:embed="rId6"/>
           <a:stretch>
             <a:fillRect/>
           </a:stretch>
@@ -11747,41 +11464,6 @@
       </p:sp>
       <p:pic>
         <p:nvPicPr>
-          <p:cNvPr id="4" name="Picture 3" descr="A picture containing text, sign, vector graphics&#10;&#10;Description automatically generated">
-            <a:extLst>
-              <a:ext uri="{FF2B5EF4-FFF2-40B4-BE49-F238E27FC236}">
-                <a16:creationId xmlns:a16="http://schemas.microsoft.com/office/drawing/2014/main" id="{708614F4-E979-4011-90A5-0FEC75B08B44}"/>
-              </a:ext>
-            </a:extLst>
-          </p:cNvPr>
-          <p:cNvPicPr>
-            <a:picLocks noChangeAspect="1"/>
-          </p:cNvPicPr>
-          <p:nvPr/>
-        </p:nvPicPr>
-        <p:blipFill rotWithShape="1">
-          <a:blip r:embed="rId3">
-            <a:extLst>
-              <a:ext uri="{28A0092B-C50C-407E-A947-70E740481C1C}">
-                <a14:useLocalDpi xmlns:a14="http://schemas.microsoft.com/office/drawing/2010/main" val="0"/>
-              </a:ext>
-            </a:extLst>
-          </a:blip>
-          <a:srcRect t="10731" r="2" b="2"/>
-          <a:stretch/>
-        </p:blipFill>
-        <p:spPr>
-          <a:xfrm>
-            <a:off x="10269039" y="0"/>
-            <a:ext cx="1922961" cy="1716604"/>
-          </a:xfrm>
-          <a:prstGeom prst="rect">
-            <a:avLst/>
-          </a:prstGeom>
-        </p:spPr>
-      </p:pic>
-      <p:pic>
-        <p:nvPicPr>
           <p:cNvPr id="5" name="Picture 4">
             <a:extLst>
               <a:ext uri="{FF2B5EF4-FFF2-40B4-BE49-F238E27FC236}">
@@ -11795,7 +11477,7 @@
           <p:nvPr/>
         </p:nvPicPr>
         <p:blipFill>
-          <a:blip r:embed="rId4"/>
+          <a:blip r:embed="rId3"/>
           <a:stretch>
             <a:fillRect/>
           </a:stretch>
@@ -11835,7 +11517,7 @@
           <p:nvPr/>
         </p:nvPicPr>
         <p:blipFill>
-          <a:blip r:embed="rId5"/>
+          <a:blip r:embed="rId4"/>
           <a:stretch>
             <a:fillRect/>
           </a:stretch>
@@ -11918,41 +11600,6 @@
       </p:sp>
       <p:pic>
         <p:nvPicPr>
-          <p:cNvPr id="4" name="Picture 3" descr="A picture containing text, sign, vector graphics&#10;&#10;Description automatically generated">
-            <a:extLst>
-              <a:ext uri="{FF2B5EF4-FFF2-40B4-BE49-F238E27FC236}">
-                <a16:creationId xmlns:a16="http://schemas.microsoft.com/office/drawing/2014/main" id="{708614F4-E979-4011-90A5-0FEC75B08B44}"/>
-              </a:ext>
-            </a:extLst>
-          </p:cNvPr>
-          <p:cNvPicPr>
-            <a:picLocks noChangeAspect="1"/>
-          </p:cNvPicPr>
-          <p:nvPr/>
-        </p:nvPicPr>
-        <p:blipFill rotWithShape="1">
-          <a:blip r:embed="rId3">
-            <a:extLst>
-              <a:ext uri="{28A0092B-C50C-407E-A947-70E740481C1C}">
-                <a14:useLocalDpi xmlns:a14="http://schemas.microsoft.com/office/drawing/2010/main" val="0"/>
-              </a:ext>
-            </a:extLst>
-          </a:blip>
-          <a:srcRect t="10731" r="2" b="2"/>
-          <a:stretch/>
-        </p:blipFill>
-        <p:spPr>
-          <a:xfrm>
-            <a:off x="10269039" y="0"/>
-            <a:ext cx="1922961" cy="1716604"/>
-          </a:xfrm>
-          <a:prstGeom prst="rect">
-            <a:avLst/>
-          </a:prstGeom>
-        </p:spPr>
-      </p:pic>
-      <p:pic>
-        <p:nvPicPr>
           <p:cNvPr id="5" name="Picture 4">
             <a:extLst>
               <a:ext uri="{FF2B5EF4-FFF2-40B4-BE49-F238E27FC236}">
@@ -11966,7 +11613,7 @@
           <p:nvPr/>
         </p:nvPicPr>
         <p:blipFill>
-          <a:blip r:embed="rId4"/>
+          <a:blip r:embed="rId3"/>
           <a:stretch>
             <a:fillRect/>
           </a:stretch>
@@ -12339,41 +11986,6 @@
       </p:sp>
       <p:pic>
         <p:nvPicPr>
-          <p:cNvPr id="4" name="Picture 3" descr="A picture containing text, sign, vector graphics&#10;&#10;Description automatically generated">
-            <a:extLst>
-              <a:ext uri="{FF2B5EF4-FFF2-40B4-BE49-F238E27FC236}">
-                <a16:creationId xmlns:a16="http://schemas.microsoft.com/office/drawing/2014/main" id="{708614F4-E979-4011-90A5-0FEC75B08B44}"/>
-              </a:ext>
-            </a:extLst>
-          </p:cNvPr>
-          <p:cNvPicPr>
-            <a:picLocks noChangeAspect="1"/>
-          </p:cNvPicPr>
-          <p:nvPr/>
-        </p:nvPicPr>
-        <p:blipFill rotWithShape="1">
-          <a:blip r:embed="rId3">
-            <a:extLst>
-              <a:ext uri="{28A0092B-C50C-407E-A947-70E740481C1C}">
-                <a14:useLocalDpi xmlns:a14="http://schemas.microsoft.com/office/drawing/2010/main" val="0"/>
-              </a:ext>
-            </a:extLst>
-          </a:blip>
-          <a:srcRect t="10731" r="2" b="2"/>
-          <a:stretch/>
-        </p:blipFill>
-        <p:spPr>
-          <a:xfrm>
-            <a:off x="10269039" y="0"/>
-            <a:ext cx="1922961" cy="1716604"/>
-          </a:xfrm>
-          <a:prstGeom prst="rect">
-            <a:avLst/>
-          </a:prstGeom>
-        </p:spPr>
-      </p:pic>
-      <p:pic>
-        <p:nvPicPr>
           <p:cNvPr id="5" name="Picture 4">
             <a:extLst>
               <a:ext uri="{FF2B5EF4-FFF2-40B4-BE49-F238E27FC236}">
@@ -12387,7 +11999,7 @@
           <p:nvPr/>
         </p:nvPicPr>
         <p:blipFill>
-          <a:blip r:embed="rId4"/>
+          <a:blip r:embed="rId3"/>
           <a:stretch>
             <a:fillRect/>
           </a:stretch>
@@ -12417,7 +12029,7 @@
           <p:nvPr/>
         </p:nvPicPr>
         <p:blipFill>
-          <a:blip r:embed="rId5"/>
+          <a:blip r:embed="rId4"/>
           <a:stretch>
             <a:fillRect/>
           </a:stretch>
@@ -13194,6 +12806,12 @@
 </file>
 
 <file path=customXml/item2.xml><?xml version="1.0" encoding="utf-8"?>
+<p:properties xmlns:p="http://schemas.microsoft.com/office/2006/metadata/properties" xmlns:xsi="http://www.w3.org/2001/XMLSchema-instance" xmlns:pc="http://schemas.microsoft.com/office/infopath/2007/PartnerControls">
+  <documentManagement/>
+</p:properties>
+</file>
+
+<file path=customXml/item3.xml><?xml version="1.0" encoding="utf-8"?>
 <?mso-contentType ?>
 <FormTemplates xmlns="http://schemas.microsoft.com/sharepoint/v3/contenttype/forms">
   <Display>DocumentLibraryForm</Display>
@@ -13202,20 +12820,37 @@
 </FormTemplates>
 </file>
 
-<file path=customXml/item3.xml><?xml version="1.0" encoding="utf-8"?>
-<p:properties xmlns:p="http://schemas.microsoft.com/office/2006/metadata/properties" xmlns:xsi="http://www.w3.org/2001/XMLSchema-instance" xmlns:pc="http://schemas.microsoft.com/office/infopath/2007/PartnerControls">
-  <documentManagement/>
-</p:properties>
-</file>
-
 <file path=customXml/itemProps1.xml><?xml version="1.0" encoding="utf-8"?>
-<ds:datastoreItem xmlns:ds="http://schemas.openxmlformats.org/officeDocument/2006/customXml" ds:itemID="{CF4E40DF-FC58-4D2D-94B4-BAF6081C6E3F}"/>
+<ds:datastoreItem xmlns:ds="http://schemas.openxmlformats.org/officeDocument/2006/customXml" ds:itemID="{CF4E40DF-FC58-4D2D-94B4-BAF6081C6E3F}">
+  <ds:schemaRefs>
+    <ds:schemaRef ds:uri="http://schemas.microsoft.com/office/2006/metadata/contentType"/>
+    <ds:schemaRef ds:uri="http://schemas.microsoft.com/office/2006/metadata/properties/metaAttributes"/>
+    <ds:schemaRef ds:uri="http://www.w3.org/2001/XMLSchema"/>
+    <ds:schemaRef ds:uri="http://schemas.microsoft.com/office/2006/metadata/properties"/>
+    <ds:schemaRef ds:uri="8dc4f5da-c9d6-4fa2-9bd4-f8b062bc8f4a"/>
+    <ds:schemaRef ds:uri="http://schemas.microsoft.com/office/2006/documentManagement/types"/>
+    <ds:schemaRef ds:uri="http://schemas.microsoft.com/office/infopath/2007/PartnerControls"/>
+    <ds:schemaRef ds:uri="http://schemas.openxmlformats.org/package/2006/metadata/core-properties"/>
+    <ds:schemaRef ds:uri="http://purl.org/dc/elements/1.1/"/>
+    <ds:schemaRef ds:uri="http://purl.org/dc/terms/"/>
+    <ds:schemaRef ds:uri="http://schemas.microsoft.com/internal/obd"/>
+  </ds:schemaRefs>
+</ds:datastoreItem>
 </file>
 
 <file path=customXml/itemProps2.xml><?xml version="1.0" encoding="utf-8"?>
-<ds:datastoreItem xmlns:ds="http://schemas.openxmlformats.org/officeDocument/2006/customXml" ds:itemID="{05773522-96BB-4DAC-A654-57B2AE2B069F}"/>
+<ds:datastoreItem xmlns:ds="http://schemas.openxmlformats.org/officeDocument/2006/customXml" ds:itemID="{9DD6A914-A909-42B5-AFEC-C366D33D8D6A}">
+  <ds:schemaRefs>
+    <ds:schemaRef ds:uri="http://schemas.microsoft.com/office/2006/metadata/properties"/>
+    <ds:schemaRef ds:uri="http://schemas.microsoft.com/office/infopath/2007/PartnerControls"/>
+  </ds:schemaRefs>
+</ds:datastoreItem>
 </file>
 
 <file path=customXml/itemProps3.xml><?xml version="1.0" encoding="utf-8"?>
-<ds:datastoreItem xmlns:ds="http://schemas.openxmlformats.org/officeDocument/2006/customXml" ds:itemID="{9DD6A914-A909-42B5-AFEC-C366D33D8D6A}"/>
+<ds:datastoreItem xmlns:ds="http://schemas.openxmlformats.org/officeDocument/2006/customXml" ds:itemID="{05773522-96BB-4DAC-A654-57B2AE2B069F}">
+  <ds:schemaRefs>
+    <ds:schemaRef ds:uri="http://schemas.microsoft.com/sharepoint/v3/contenttype/forms"/>
+  </ds:schemaRefs>
+</ds:datastoreItem>
 </file>